--- a/Slide/05- Control and Loop Structures.pptx
+++ b/Slide/05- Control and Loop Structures.pptx
@@ -4651,18 +4651,11 @@
               <a:defRPr/>
             </a:pPr>
             <a:r>
-              <a:rPr lang="en-US" b="0" i="1">
-                <a:effectLst/>
-                <a:latin typeface="-apple-system"/>
-              </a:rPr>
-              <a:t>Adjunct Professor | </a:t>
-            </a:r>
-            <a:r>
               <a:rPr lang="en-US" b="0" i="1" dirty="0">
                 <a:effectLst/>
                 <a:latin typeface="-apple-system"/>
               </a:rPr>
-              <a:t>Sharif University of Technology</a:t>
+              <a:t>Adjunct Professor | Sharif University of Technology</a:t>
             </a:r>
             <a:endParaRPr lang="en-US" i="1" dirty="0"/>
           </a:p>
@@ -12176,8 +12169,12 @@
               <a:rPr lang="en-US" sz="2800" i="1" dirty="0">
                 <a:hlinkClick r:id="rId4"/>
               </a:rPr>
-              <a:t>https://www.snowhillscience.com/</a:t>
-            </a:r>
+              <a:t>https://www.snowhillscience.com</a:t>
+            </a:r>
+            <a:endParaRPr lang="en-US" sz="2800" i="1" dirty="0"/>
+          </a:p>
+          <a:p>
+            <a:pPr algn="just"/>
             <a:endParaRPr lang="en-US" sz="2800" i="1" dirty="0"/>
           </a:p>
           <a:p>
